--- a/Флаер.pptx
+++ b/Флаер.pptx
@@ -1280,7 +1280,7 @@
               <a:buSzPts val="1100"/>
               <a:buNone/>
             </a:pPr>
-            <a:endParaRPr/>
+            <a:endParaRPr dirty="0"/>
           </a:p>
         </p:txBody>
       </p:sp>
@@ -5429,7 +5429,7 @@
               <a:buNone/>
             </a:pPr>
             <a:r>
-              <a:rPr lang="ru-RU" sz="4800" b="1" dirty="0">
+              <a:rPr lang="ru-RU" sz="4000" b="1" dirty="0">
                 <a:solidFill>
                   <a:srgbClr val="F3F3F3"/>
                 </a:solidFill>
@@ -5458,16 +5458,16 @@
               <a:buNone/>
             </a:pPr>
             <a:r>
-              <a:rPr lang="ru-RU" sz="6100" b="1" dirty="0">
+              <a:rPr lang="ru-RU" sz="5400" b="1" dirty="0">
                 <a:solidFill>
                   <a:srgbClr val="F3F3F3"/>
                 </a:solidFill>
                 <a:latin typeface="Montserrat"/>
                 <a:sym typeface="Montserrat"/>
               </a:rPr>
-              <a:t>Помощь МИФИ</a:t>
-            </a:r>
-            <a:endParaRPr lang="ru-RU" sz="6100" dirty="0">
+              <a:t>Создание сайта-помощника для студентов НИЯУ МИФИ</a:t>
+            </a:r>
+            <a:endParaRPr lang="ru-RU" sz="5400" dirty="0">
               <a:solidFill>
                 <a:srgbClr val="F3F3F3"/>
               </a:solidFill>
@@ -5772,7 +5772,7 @@
                 <a:effectLst/>
                 <a:latin typeface="Montserrat" panose="020B0604020202020204" charset="-52"/>
               </a:rPr>
-              <a:t>Создание сайта для МИФИстов, где можно попросить помощи с предметом у студентов</a:t>
+              <a:t>Создание сайта для МИФИстов, где можно попросить помощи у студентов</a:t>
             </a:r>
             <a:r>
               <a:rPr lang="en-US" sz="2400" b="0" i="0" u="none" strike="noStrike" dirty="0">
@@ -8418,10 +8418,10 @@
       </p:pic>
       <p:pic>
         <p:nvPicPr>
-          <p:cNvPr id="2" name="Рисунок 1">
+          <p:cNvPr id="4" name="Рисунок 3">
             <a:extLst>
               <a:ext uri="{FF2B5EF4-FFF2-40B4-BE49-F238E27FC236}">
-                <a16:creationId xmlns:a16="http://schemas.microsoft.com/office/drawing/2014/main" id="{6A6D3E2F-ED00-43AE-A298-47833D283AD9}"/>
+                <a16:creationId xmlns:a16="http://schemas.microsoft.com/office/drawing/2014/main" id="{33D723FA-26F4-4CCA-A415-3C7E7DA8A47D}"/>
               </a:ext>
             </a:extLst>
           </p:cNvPr>
@@ -8438,8 +8438,8 @@
         </p:blipFill>
         <p:spPr>
           <a:xfrm>
-            <a:off x="1759630" y="4211034"/>
-            <a:ext cx="20308868" cy="7127025"/>
+            <a:off x="756745" y="3636108"/>
+            <a:ext cx="21381185" cy="7709498"/>
           </a:xfrm>
           <a:prstGeom prst="rect">
             <a:avLst/>

--- a/Флаер.pptx
+++ b/Флаер.pptx
@@ -6033,6 +6033,55 @@
               </a:rPr>
               <a:t>Разработка дизайна</a:t>
             </a:r>
+            <a:endParaRPr lang="en-US" sz="2700" dirty="0">
+              <a:solidFill>
+                <a:schemeClr val="dk1"/>
+              </a:solidFill>
+              <a:latin typeface="Montserrat"/>
+              <a:ea typeface="Montserrat"/>
+              <a:cs typeface="Montserrat"/>
+              <a:sym typeface="Montserrat"/>
+            </a:endParaRPr>
+          </a:p>
+          <a:p>
+            <a:pPr marL="342900" lvl="0" indent="-336550" algn="l" rtl="0">
+              <a:lnSpc>
+                <a:spcPct val="90000"/>
+              </a:lnSpc>
+              <a:spcBef>
+                <a:spcPts val="800"/>
+              </a:spcBef>
+              <a:spcAft>
+                <a:spcPts val="0"/>
+              </a:spcAft>
+              <a:buClr>
+                <a:schemeClr val="dk1"/>
+              </a:buClr>
+              <a:buSzPts val="2700"/>
+              <a:buFont typeface="Montserrat"/>
+              <a:buChar char="●"/>
+            </a:pPr>
+            <a:r>
+              <a:rPr lang="en-US" sz="2700" dirty="0">
+                <a:solidFill>
+                  <a:schemeClr val="dk1"/>
+                </a:solidFill>
+                <a:latin typeface="Montserrat"/>
+                <a:ea typeface="Montserrat"/>
+                <a:cs typeface="Montserrat"/>
+                <a:sym typeface="Montserrat"/>
+              </a:rPr>
+              <a:t>CSS, HTML</a:t>
+            </a:r>
+            <a:endParaRPr lang="ru-RU" sz="2700" dirty="0">
+              <a:solidFill>
+                <a:schemeClr val="dk1"/>
+              </a:solidFill>
+              <a:latin typeface="Montserrat"/>
+              <a:ea typeface="Montserrat"/>
+              <a:cs typeface="Montserrat"/>
+              <a:sym typeface="Montserrat"/>
+            </a:endParaRPr>
           </a:p>
           <a:p>
             <a:pPr marL="342900" lvl="0" indent="-336550" algn="l" rtl="0">
